--- a/specification/imgsrc/glyphs.pptx
+++ b/specification/imgsrc/glyphs.pptx
@@ -210,7 +210,7 @@
           <a:p>
             <a:fld id="{80E95D05-464A-6F4F-BC14-03954E32CC65}" type="datetimeFigureOut">
               <a:rPr lang="en-US" smtClean="0"/>
-              <a:t>10/11/17</a:t>
+              <a:t>10/12/17</a:t>
             </a:fld>
             <a:endParaRPr lang="en-US"/>
           </a:p>
@@ -659,7 +659,7 @@
           <a:p>
             <a:fld id="{B519623D-D8C4-D246-A1F7-180DFBDF806B}" type="datetimeFigureOut">
               <a:rPr lang="en-US" smtClean="0"/>
-              <a:t>10/10/17</a:t>
+              <a:t>10/12/17</a:t>
             </a:fld>
             <a:endParaRPr lang="en-US"/>
           </a:p>
@@ -829,7 +829,7 @@
           <a:p>
             <a:fld id="{B519623D-D8C4-D246-A1F7-180DFBDF806B}" type="datetimeFigureOut">
               <a:rPr lang="en-US" smtClean="0"/>
-              <a:t>10/10/17</a:t>
+              <a:t>10/12/17</a:t>
             </a:fld>
             <a:endParaRPr lang="en-US"/>
           </a:p>
@@ -1009,7 +1009,7 @@
           <a:p>
             <a:fld id="{B519623D-D8C4-D246-A1F7-180DFBDF806B}" type="datetimeFigureOut">
               <a:rPr lang="en-US" smtClean="0"/>
-              <a:t>10/10/17</a:t>
+              <a:t>10/12/17</a:t>
             </a:fld>
             <a:endParaRPr lang="en-US"/>
           </a:p>
@@ -1179,7 +1179,7 @@
           <a:p>
             <a:fld id="{B519623D-D8C4-D246-A1F7-180DFBDF806B}" type="datetimeFigureOut">
               <a:rPr lang="en-US" smtClean="0"/>
-              <a:t>10/10/17</a:t>
+              <a:t>10/12/17</a:t>
             </a:fld>
             <a:endParaRPr lang="en-US"/>
           </a:p>
@@ -1425,7 +1425,7 @@
           <a:p>
             <a:fld id="{B519623D-D8C4-D246-A1F7-180DFBDF806B}" type="datetimeFigureOut">
               <a:rPr lang="en-US" smtClean="0"/>
-              <a:t>10/10/17</a:t>
+              <a:t>10/12/17</a:t>
             </a:fld>
             <a:endParaRPr lang="en-US"/>
           </a:p>
@@ -1713,7 +1713,7 @@
           <a:p>
             <a:fld id="{B519623D-D8C4-D246-A1F7-180DFBDF806B}" type="datetimeFigureOut">
               <a:rPr lang="en-US" smtClean="0"/>
-              <a:t>10/10/17</a:t>
+              <a:t>10/12/17</a:t>
             </a:fld>
             <a:endParaRPr lang="en-US"/>
           </a:p>
@@ -2135,7 +2135,7 @@
           <a:p>
             <a:fld id="{B519623D-D8C4-D246-A1F7-180DFBDF806B}" type="datetimeFigureOut">
               <a:rPr lang="en-US" smtClean="0"/>
-              <a:t>10/10/17</a:t>
+              <a:t>10/12/17</a:t>
             </a:fld>
             <a:endParaRPr lang="en-US"/>
           </a:p>
@@ -2253,7 +2253,7 @@
           <a:p>
             <a:fld id="{B519623D-D8C4-D246-A1F7-180DFBDF806B}" type="datetimeFigureOut">
               <a:rPr lang="en-US" smtClean="0"/>
-              <a:t>10/10/17</a:t>
+              <a:t>10/12/17</a:t>
             </a:fld>
             <a:endParaRPr lang="en-US"/>
           </a:p>
@@ -2348,7 +2348,7 @@
           <a:p>
             <a:fld id="{B519623D-D8C4-D246-A1F7-180DFBDF806B}" type="datetimeFigureOut">
               <a:rPr lang="en-US" smtClean="0"/>
-              <a:t>10/10/17</a:t>
+              <a:t>10/12/17</a:t>
             </a:fld>
             <a:endParaRPr lang="en-US"/>
           </a:p>
@@ -2625,7 +2625,7 @@
           <a:p>
             <a:fld id="{B519623D-D8C4-D246-A1F7-180DFBDF806B}" type="datetimeFigureOut">
               <a:rPr lang="en-US" smtClean="0"/>
-              <a:t>10/10/17</a:t>
+              <a:t>10/12/17</a:t>
             </a:fld>
             <a:endParaRPr lang="en-US"/>
           </a:p>
@@ -2878,7 +2878,7 @@
           <a:p>
             <a:fld id="{B519623D-D8C4-D246-A1F7-180DFBDF806B}" type="datetimeFigureOut">
               <a:rPr lang="en-US" smtClean="0"/>
-              <a:t>10/10/17</a:t>
+              <a:t>10/12/17</a:t>
             </a:fld>
             <a:endParaRPr lang="en-US"/>
           </a:p>
@@ -3091,7 +3091,7 @@
           <a:p>
             <a:fld id="{B519623D-D8C4-D246-A1F7-180DFBDF806B}" type="datetimeFigureOut">
               <a:rPr lang="en-US" smtClean="0"/>
-              <a:t>10/10/17</a:t>
+              <a:t>10/12/17</a:t>
             </a:fld>
             <a:endParaRPr lang="en-US"/>
           </a:p>
@@ -3474,78 +3474,12 @@
         </p:nvGrpSpPr>
         <p:grpSpPr>
           <a:xfrm>
-            <a:off x="3648018" y="2766160"/>
-            <a:ext cx="1707777" cy="864850"/>
-            <a:chOff x="2393576" y="2860290"/>
-            <a:chExt cx="1707777" cy="864850"/>
+            <a:off x="3648018" y="2940971"/>
+            <a:ext cx="1707777" cy="743827"/>
+            <a:chOff x="2393576" y="3035101"/>
+            <a:chExt cx="1707777" cy="743827"/>
           </a:xfrm>
         </p:grpSpPr>
-        <p:sp>
-          <p:nvSpPr>
-            <p:cNvPr id="8" name="Right Arrow 7"/>
-            <p:cNvSpPr/>
-            <p:nvPr/>
-          </p:nvSpPr>
-          <p:spPr>
-            <a:xfrm>
-              <a:off x="2663264" y="2860290"/>
-              <a:ext cx="1168400" cy="350140"/>
-            </a:xfrm>
-            <a:prstGeom prst="rightArrow">
-              <a:avLst>
-                <a:gd name="adj1" fmla="val 100000"/>
-                <a:gd name="adj2" fmla="val 52194"/>
-              </a:avLst>
-            </a:prstGeom>
-            <a:solidFill>
-              <a:srgbClr val="00B050"/>
-            </a:solidFill>
-            <a:ln w="28575" cap="flat" cmpd="sng" algn="ctr">
-              <a:solidFill>
-                <a:srgbClr val="000000"/>
-              </a:solidFill>
-              <a:prstDash val="solid"/>
-              <a:round/>
-              <a:headEnd type="none" w="med" len="med"/>
-              <a:tailEnd type="none" w="med" len="med"/>
-            </a:ln>
-            <a:effectLst/>
-          </p:spPr>
-          <p:style>
-            <a:lnRef idx="1">
-              <a:schemeClr val="accent1"/>
-            </a:lnRef>
-            <a:fillRef idx="3">
-              <a:schemeClr val="accent1"/>
-            </a:fillRef>
-            <a:effectRef idx="2">
-              <a:schemeClr val="accent1"/>
-            </a:effectRef>
-            <a:fontRef idx="minor">
-              <a:schemeClr val="lt1"/>
-            </a:fontRef>
-          </p:style>
-          <p:txBody>
-            <a:bodyPr rtlCol="0" anchor="ctr"/>
-            <a:lstStyle/>
-            <a:p>
-              <a:pPr algn="ctr"/>
-              <a:r>
-                <a:rPr lang="en-US" i="1" dirty="0" err="1" smtClean="0">
-                  <a:solidFill>
-                    <a:schemeClr val="tx1"/>
-                  </a:solidFill>
-                </a:rPr>
-                <a:t>gfp</a:t>
-              </a:r>
-              <a:endParaRPr lang="en-US" i="1" dirty="0">
-                <a:solidFill>
-                  <a:schemeClr val="tx1"/>
-                </a:solidFill>
-              </a:endParaRPr>
-            </a:p>
-          </p:txBody>
-        </p:sp>
         <p:sp>
           <p:nvSpPr>
             <p:cNvPr id="28" name="TextBox 27"/>
@@ -3554,7 +3488,7 @@
           </p:nvSpPr>
           <p:spPr>
             <a:xfrm>
-              <a:off x="2757587" y="3355808"/>
+              <a:off x="2757587" y="3409596"/>
               <a:ext cx="979755" cy="369332"/>
             </a:xfrm>
             <a:prstGeom prst="rect">
@@ -3616,6 +3550,72 @@
             </a:fontRef>
           </p:style>
         </p:cxnSp>
+        <p:sp>
+          <p:nvSpPr>
+            <p:cNvPr id="8" name="Right Arrow 7"/>
+            <p:cNvSpPr/>
+            <p:nvPr/>
+          </p:nvSpPr>
+          <p:spPr>
+            <a:xfrm>
+              <a:off x="2663264" y="3035101"/>
+              <a:ext cx="1168400" cy="350140"/>
+            </a:xfrm>
+            <a:prstGeom prst="rightArrow">
+              <a:avLst>
+                <a:gd name="adj1" fmla="val 100000"/>
+                <a:gd name="adj2" fmla="val 52194"/>
+              </a:avLst>
+            </a:prstGeom>
+            <a:solidFill>
+              <a:srgbClr val="00B050"/>
+            </a:solidFill>
+            <a:ln w="28575" cap="flat" cmpd="sng" algn="ctr">
+              <a:solidFill>
+                <a:srgbClr val="000000"/>
+              </a:solidFill>
+              <a:prstDash val="solid"/>
+              <a:round/>
+              <a:headEnd type="none" w="med" len="med"/>
+              <a:tailEnd type="none" w="med" len="med"/>
+            </a:ln>
+            <a:effectLst/>
+          </p:spPr>
+          <p:style>
+            <a:lnRef idx="1">
+              <a:schemeClr val="accent1"/>
+            </a:lnRef>
+            <a:fillRef idx="3">
+              <a:schemeClr val="accent1"/>
+            </a:fillRef>
+            <a:effectRef idx="2">
+              <a:schemeClr val="accent1"/>
+            </a:effectRef>
+            <a:fontRef idx="minor">
+              <a:schemeClr val="lt1"/>
+            </a:fontRef>
+          </p:style>
+          <p:txBody>
+            <a:bodyPr rtlCol="0" anchor="ctr"/>
+            <a:lstStyle/>
+            <a:p>
+              <a:pPr algn="ctr"/>
+              <a:r>
+                <a:rPr lang="en-US" i="1" dirty="0" err="1" smtClean="0">
+                  <a:solidFill>
+                    <a:schemeClr val="tx1"/>
+                  </a:solidFill>
+                </a:rPr>
+                <a:t>gfp</a:t>
+              </a:r>
+              <a:endParaRPr lang="en-US" i="1" dirty="0">
+                <a:solidFill>
+                  <a:schemeClr val="tx1"/>
+                </a:solidFill>
+              </a:endParaRPr>
+            </a:p>
+          </p:txBody>
+        </p:sp>
       </p:grpSp>
       <p:grpSp>
         <p:nvGrpSpPr>
@@ -3626,9 +3626,9 @@
         <p:grpSpPr>
           <a:xfrm>
             <a:off x="5638800" y="2568388"/>
-            <a:ext cx="1707777" cy="1062622"/>
+            <a:ext cx="1707777" cy="1116410"/>
             <a:chOff x="4320988" y="2662518"/>
-            <a:chExt cx="1707777" cy="1062622"/>
+            <a:chExt cx="1707777" cy="1116410"/>
           </a:xfrm>
         </p:grpSpPr>
         <p:sp>
@@ -3705,7 +3705,7 @@
           </p:nvSpPr>
           <p:spPr>
             <a:xfrm>
-              <a:off x="4457180" y="3355808"/>
+              <a:off x="4457180" y="3409596"/>
               <a:ext cx="1435393" cy="369332"/>
             </a:xfrm>
             <a:prstGeom prst="rect">
@@ -3777,9 +3777,9 @@
         <p:grpSpPr>
           <a:xfrm>
             <a:off x="1657236" y="2285303"/>
-            <a:ext cx="1707777" cy="1345707"/>
+            <a:ext cx="1707777" cy="1399495"/>
             <a:chOff x="339424" y="2379433"/>
-            <a:chExt cx="1707777" cy="1345707"/>
+            <a:chExt cx="1707777" cy="1399495"/>
           </a:xfrm>
         </p:grpSpPr>
         <p:sp>
@@ -3836,7 +3836,7 @@
           </p:nvSpPr>
           <p:spPr>
             <a:xfrm>
-              <a:off x="475616" y="3355808"/>
+              <a:off x="475616" y="3409596"/>
               <a:ext cx="1435393" cy="369332"/>
             </a:xfrm>
             <a:prstGeom prst="rect">

--- a/specification/imgsrc/glyphs.pptx
+++ b/specification/imgsrc/glyphs.pptx
@@ -210,7 +210,7 @@
           <a:p>
             <a:fld id="{80E95D05-464A-6F4F-BC14-03954E32CC65}" type="datetimeFigureOut">
               <a:rPr lang="en-US" smtClean="0"/>
-              <a:t>10/12/17</a:t>
+              <a:t>11/27/17</a:t>
             </a:fld>
             <a:endParaRPr lang="en-US"/>
           </a:p>
@@ -659,7 +659,7 @@
           <a:p>
             <a:fld id="{B519623D-D8C4-D246-A1F7-180DFBDF806B}" type="datetimeFigureOut">
               <a:rPr lang="en-US" smtClean="0"/>
-              <a:t>10/12/17</a:t>
+              <a:t>11/27/17</a:t>
             </a:fld>
             <a:endParaRPr lang="en-US"/>
           </a:p>
@@ -829,7 +829,7 @@
           <a:p>
             <a:fld id="{B519623D-D8C4-D246-A1F7-180DFBDF806B}" type="datetimeFigureOut">
               <a:rPr lang="en-US" smtClean="0"/>
-              <a:t>10/12/17</a:t>
+              <a:t>11/27/17</a:t>
             </a:fld>
             <a:endParaRPr lang="en-US"/>
           </a:p>
@@ -1009,7 +1009,7 @@
           <a:p>
             <a:fld id="{B519623D-D8C4-D246-A1F7-180DFBDF806B}" type="datetimeFigureOut">
               <a:rPr lang="en-US" smtClean="0"/>
-              <a:t>10/12/17</a:t>
+              <a:t>11/27/17</a:t>
             </a:fld>
             <a:endParaRPr lang="en-US"/>
           </a:p>
@@ -1179,7 +1179,7 @@
           <a:p>
             <a:fld id="{B519623D-D8C4-D246-A1F7-180DFBDF806B}" type="datetimeFigureOut">
               <a:rPr lang="en-US" smtClean="0"/>
-              <a:t>10/12/17</a:t>
+              <a:t>11/27/17</a:t>
             </a:fld>
             <a:endParaRPr lang="en-US"/>
           </a:p>
@@ -1425,7 +1425,7 @@
           <a:p>
             <a:fld id="{B519623D-D8C4-D246-A1F7-180DFBDF806B}" type="datetimeFigureOut">
               <a:rPr lang="en-US" smtClean="0"/>
-              <a:t>10/12/17</a:t>
+              <a:t>11/27/17</a:t>
             </a:fld>
             <a:endParaRPr lang="en-US"/>
           </a:p>
@@ -1713,7 +1713,7 @@
           <a:p>
             <a:fld id="{B519623D-D8C4-D246-A1F7-180DFBDF806B}" type="datetimeFigureOut">
               <a:rPr lang="en-US" smtClean="0"/>
-              <a:t>10/12/17</a:t>
+              <a:t>11/27/17</a:t>
             </a:fld>
             <a:endParaRPr lang="en-US"/>
           </a:p>
@@ -2135,7 +2135,7 @@
           <a:p>
             <a:fld id="{B519623D-D8C4-D246-A1F7-180DFBDF806B}" type="datetimeFigureOut">
               <a:rPr lang="en-US" smtClean="0"/>
-              <a:t>10/12/17</a:t>
+              <a:t>11/27/17</a:t>
             </a:fld>
             <a:endParaRPr lang="en-US"/>
           </a:p>
@@ -2253,7 +2253,7 @@
           <a:p>
             <a:fld id="{B519623D-D8C4-D246-A1F7-180DFBDF806B}" type="datetimeFigureOut">
               <a:rPr lang="en-US" smtClean="0"/>
-              <a:t>10/12/17</a:t>
+              <a:t>11/27/17</a:t>
             </a:fld>
             <a:endParaRPr lang="en-US"/>
           </a:p>
@@ -2348,7 +2348,7 @@
           <a:p>
             <a:fld id="{B519623D-D8C4-D246-A1F7-180DFBDF806B}" type="datetimeFigureOut">
               <a:rPr lang="en-US" smtClean="0"/>
-              <a:t>10/12/17</a:t>
+              <a:t>11/27/17</a:t>
             </a:fld>
             <a:endParaRPr lang="en-US"/>
           </a:p>
@@ -2625,7 +2625,7 @@
           <a:p>
             <a:fld id="{B519623D-D8C4-D246-A1F7-180DFBDF806B}" type="datetimeFigureOut">
               <a:rPr lang="en-US" smtClean="0"/>
-              <a:t>10/12/17</a:t>
+              <a:t>11/27/17</a:t>
             </a:fld>
             <a:endParaRPr lang="en-US"/>
           </a:p>
@@ -2878,7 +2878,7 @@
           <a:p>
             <a:fld id="{B519623D-D8C4-D246-A1F7-180DFBDF806B}" type="datetimeFigureOut">
               <a:rPr lang="en-US" smtClean="0"/>
-              <a:t>10/12/17</a:t>
+              <a:t>11/27/17</a:t>
             </a:fld>
             <a:endParaRPr lang="en-US"/>
           </a:p>
@@ -3091,7 +3091,7 @@
           <a:p>
             <a:fld id="{B519623D-D8C4-D246-A1F7-180DFBDF806B}" type="datetimeFigureOut">
               <a:rPr lang="en-US" smtClean="0"/>
-              <a:t>10/12/17</a:t>
+              <a:t>11/27/17</a:t>
             </a:fld>
             <a:endParaRPr lang="en-US"/>
           </a:p>
@@ -3625,78 +3625,12 @@
         </p:nvGrpSpPr>
         <p:grpSpPr>
           <a:xfrm>
-            <a:off x="5638800" y="2568388"/>
-            <a:ext cx="1707777" cy="1116410"/>
-            <a:chOff x="4320988" y="2662518"/>
-            <a:chExt cx="1707777" cy="1116410"/>
+            <a:off x="5638800" y="2823881"/>
+            <a:ext cx="1707777" cy="860917"/>
+            <a:chOff x="4320988" y="2918011"/>
+            <a:chExt cx="1707777" cy="860917"/>
           </a:xfrm>
         </p:grpSpPr>
-        <p:sp>
-          <p:nvSpPr>
-            <p:cNvPr id="39" name="Right Arrow 38"/>
-            <p:cNvSpPr/>
-            <p:nvPr/>
-          </p:nvSpPr>
-          <p:spPr>
-            <a:xfrm>
-              <a:off x="4520079" y="2662518"/>
-              <a:ext cx="1309594" cy="547912"/>
-            </a:xfrm>
-            <a:prstGeom prst="rightArrow">
-              <a:avLst>
-                <a:gd name="adj1" fmla="val 53914"/>
-                <a:gd name="adj2" fmla="val 52194"/>
-              </a:avLst>
-            </a:prstGeom>
-            <a:solidFill>
-              <a:srgbClr val="00B050"/>
-            </a:solidFill>
-            <a:ln w="28575" cap="flat" cmpd="sng" algn="ctr">
-              <a:solidFill>
-                <a:srgbClr val="000000"/>
-              </a:solidFill>
-              <a:prstDash val="solid"/>
-              <a:round/>
-              <a:headEnd type="none" w="med" len="med"/>
-              <a:tailEnd type="none" w="med" len="med"/>
-            </a:ln>
-            <a:effectLst/>
-          </p:spPr>
-          <p:style>
-            <a:lnRef idx="1">
-              <a:schemeClr val="accent1"/>
-            </a:lnRef>
-            <a:fillRef idx="3">
-              <a:schemeClr val="accent1"/>
-            </a:fillRef>
-            <a:effectRef idx="2">
-              <a:schemeClr val="accent1"/>
-            </a:effectRef>
-            <a:fontRef idx="minor">
-              <a:schemeClr val="lt1"/>
-            </a:fontRef>
-          </p:style>
-          <p:txBody>
-            <a:bodyPr rtlCol="0" anchor="ctr"/>
-            <a:lstStyle/>
-            <a:p>
-              <a:pPr algn="ctr"/>
-              <a:r>
-                <a:rPr lang="en-US" i="1" dirty="0" err="1" smtClean="0">
-                  <a:solidFill>
-                    <a:schemeClr val="tx1"/>
-                  </a:solidFill>
-                </a:rPr>
-                <a:t>gfp</a:t>
-              </a:r>
-              <a:endParaRPr lang="en-US" i="1" dirty="0">
-                <a:solidFill>
-                  <a:schemeClr val="tx1"/>
-                </a:solidFill>
-              </a:endParaRPr>
-            </a:p>
-          </p:txBody>
-        </p:sp>
         <p:sp>
           <p:nvSpPr>
             <p:cNvPr id="40" name="TextBox 39"/>
@@ -3767,6 +3701,72 @@
             </a:fontRef>
           </p:style>
         </p:cxnSp>
+        <p:sp>
+          <p:nvSpPr>
+            <p:cNvPr id="39" name="Right Arrow 38"/>
+            <p:cNvSpPr/>
+            <p:nvPr/>
+          </p:nvSpPr>
+          <p:spPr>
+            <a:xfrm>
+              <a:off x="4520079" y="2918011"/>
+              <a:ext cx="1309594" cy="547912"/>
+            </a:xfrm>
+            <a:prstGeom prst="rightArrow">
+              <a:avLst>
+                <a:gd name="adj1" fmla="val 53914"/>
+                <a:gd name="adj2" fmla="val 52194"/>
+              </a:avLst>
+            </a:prstGeom>
+            <a:solidFill>
+              <a:srgbClr val="00B050"/>
+            </a:solidFill>
+            <a:ln w="28575" cap="flat" cmpd="sng" algn="ctr">
+              <a:solidFill>
+                <a:srgbClr val="000000"/>
+              </a:solidFill>
+              <a:prstDash val="solid"/>
+              <a:round/>
+              <a:headEnd type="none" w="med" len="med"/>
+              <a:tailEnd type="none" w="med" len="med"/>
+            </a:ln>
+            <a:effectLst/>
+          </p:spPr>
+          <p:style>
+            <a:lnRef idx="1">
+              <a:schemeClr val="accent1"/>
+            </a:lnRef>
+            <a:fillRef idx="3">
+              <a:schemeClr val="accent1"/>
+            </a:fillRef>
+            <a:effectRef idx="2">
+              <a:schemeClr val="accent1"/>
+            </a:effectRef>
+            <a:fontRef idx="minor">
+              <a:schemeClr val="lt1"/>
+            </a:fontRef>
+          </p:style>
+          <p:txBody>
+            <a:bodyPr rtlCol="0" anchor="ctr"/>
+            <a:lstStyle/>
+            <a:p>
+              <a:pPr algn="ctr"/>
+              <a:r>
+                <a:rPr lang="en-US" i="1" dirty="0" err="1" smtClean="0">
+                  <a:solidFill>
+                    <a:schemeClr val="tx1"/>
+                  </a:solidFill>
+                </a:rPr>
+                <a:t>gfp</a:t>
+              </a:r>
+              <a:endParaRPr lang="en-US" i="1" dirty="0">
+                <a:solidFill>
+                  <a:schemeClr val="tx1"/>
+                </a:solidFill>
+              </a:endParaRPr>
+            </a:p>
+          </p:txBody>
+        </p:sp>
       </p:grpSp>
       <p:grpSp>
         <p:nvGrpSpPr>

--- a/specification/imgsrc/glyphs.pptx
+++ b/specification/imgsrc/glyphs.pptx
@@ -210,7 +210,7 @@
           <a:p>
             <a:fld id="{80E95D05-464A-6F4F-BC14-03954E32CC65}" type="datetimeFigureOut">
               <a:rPr lang="en-US" smtClean="0"/>
-              <a:t>11/27/17</a:t>
+              <a:t>11/28/17</a:t>
             </a:fld>
             <a:endParaRPr lang="en-US"/>
           </a:p>
@@ -659,7 +659,7 @@
           <a:p>
             <a:fld id="{B519623D-D8C4-D246-A1F7-180DFBDF806B}" type="datetimeFigureOut">
               <a:rPr lang="en-US" smtClean="0"/>
-              <a:t>11/27/17</a:t>
+              <a:t>11/28/17</a:t>
             </a:fld>
             <a:endParaRPr lang="en-US"/>
           </a:p>
@@ -829,7 +829,7 @@
           <a:p>
             <a:fld id="{B519623D-D8C4-D246-A1F7-180DFBDF806B}" type="datetimeFigureOut">
               <a:rPr lang="en-US" smtClean="0"/>
-              <a:t>11/27/17</a:t>
+              <a:t>11/28/17</a:t>
             </a:fld>
             <a:endParaRPr lang="en-US"/>
           </a:p>
@@ -1009,7 +1009,7 @@
           <a:p>
             <a:fld id="{B519623D-D8C4-D246-A1F7-180DFBDF806B}" type="datetimeFigureOut">
               <a:rPr lang="en-US" smtClean="0"/>
-              <a:t>11/27/17</a:t>
+              <a:t>11/28/17</a:t>
             </a:fld>
             <a:endParaRPr lang="en-US"/>
           </a:p>
@@ -1179,7 +1179,7 @@
           <a:p>
             <a:fld id="{B519623D-D8C4-D246-A1F7-180DFBDF806B}" type="datetimeFigureOut">
               <a:rPr lang="en-US" smtClean="0"/>
-              <a:t>11/27/17</a:t>
+              <a:t>11/28/17</a:t>
             </a:fld>
             <a:endParaRPr lang="en-US"/>
           </a:p>
@@ -1425,7 +1425,7 @@
           <a:p>
             <a:fld id="{B519623D-D8C4-D246-A1F7-180DFBDF806B}" type="datetimeFigureOut">
               <a:rPr lang="en-US" smtClean="0"/>
-              <a:t>11/27/17</a:t>
+              <a:t>11/28/17</a:t>
             </a:fld>
             <a:endParaRPr lang="en-US"/>
           </a:p>
@@ -1713,7 +1713,7 @@
           <a:p>
             <a:fld id="{B519623D-D8C4-D246-A1F7-180DFBDF806B}" type="datetimeFigureOut">
               <a:rPr lang="en-US" smtClean="0"/>
-              <a:t>11/27/17</a:t>
+              <a:t>11/28/17</a:t>
             </a:fld>
             <a:endParaRPr lang="en-US"/>
           </a:p>
@@ -2135,7 +2135,7 @@
           <a:p>
             <a:fld id="{B519623D-D8C4-D246-A1F7-180DFBDF806B}" type="datetimeFigureOut">
               <a:rPr lang="en-US" smtClean="0"/>
-              <a:t>11/27/17</a:t>
+              <a:t>11/28/17</a:t>
             </a:fld>
             <a:endParaRPr lang="en-US"/>
           </a:p>
@@ -2253,7 +2253,7 @@
           <a:p>
             <a:fld id="{B519623D-D8C4-D246-A1F7-180DFBDF806B}" type="datetimeFigureOut">
               <a:rPr lang="en-US" smtClean="0"/>
-              <a:t>11/27/17</a:t>
+              <a:t>11/28/17</a:t>
             </a:fld>
             <a:endParaRPr lang="en-US"/>
           </a:p>
@@ -2348,7 +2348,7 @@
           <a:p>
             <a:fld id="{B519623D-D8C4-D246-A1F7-180DFBDF806B}" type="datetimeFigureOut">
               <a:rPr lang="en-US" smtClean="0"/>
-              <a:t>11/27/17</a:t>
+              <a:t>11/28/17</a:t>
             </a:fld>
             <a:endParaRPr lang="en-US"/>
           </a:p>
@@ -2625,7 +2625,7 @@
           <a:p>
             <a:fld id="{B519623D-D8C4-D246-A1F7-180DFBDF806B}" type="datetimeFigureOut">
               <a:rPr lang="en-US" smtClean="0"/>
-              <a:t>11/27/17</a:t>
+              <a:t>11/28/17</a:t>
             </a:fld>
             <a:endParaRPr lang="en-US"/>
           </a:p>
@@ -2878,7 +2878,7 @@
           <a:p>
             <a:fld id="{B519623D-D8C4-D246-A1F7-180DFBDF806B}" type="datetimeFigureOut">
               <a:rPr lang="en-US" smtClean="0"/>
-              <a:t>11/27/17</a:t>
+              <a:t>11/28/17</a:t>
             </a:fld>
             <a:endParaRPr lang="en-US"/>
           </a:p>
@@ -3091,7 +3091,7 @@
           <a:p>
             <a:fld id="{B519623D-D8C4-D246-A1F7-180DFBDF806B}" type="datetimeFigureOut">
               <a:rPr lang="en-US" smtClean="0"/>
-              <a:t>11/27/17</a:t>
+              <a:t>11/28/17</a:t>
             </a:fld>
             <a:endParaRPr lang="en-US"/>
           </a:p>
@@ -3639,8 +3639,8 @@
           </p:nvSpPr>
           <p:spPr>
             <a:xfrm>
-              <a:off x="4457180" y="3409596"/>
-              <a:ext cx="1435393" cy="369332"/>
+              <a:off x="4806802" y="3409596"/>
+              <a:ext cx="610232" cy="369332"/>
             </a:xfrm>
             <a:prstGeom prst="rect">
               <a:avLst/>
@@ -3654,8 +3654,8 @@
             <a:lstStyle/>
             <a:p>
               <a:r>
-                <a:rPr lang="en-US" dirty="0" smtClean="0"/>
-                <a:t>SHOULD NOT</a:t>
+                <a:rPr lang="en-US" smtClean="0"/>
+                <a:t>MAY</a:t>
               </a:r>
               <a:endParaRPr lang="en-US" dirty="0"/>
             </a:p>
